--- a/Jaraba-Raposo-DBM2-Slides.pptx
+++ b/Jaraba-Raposo-DBM2-Slides.pptx
@@ -16220,7 +16220,7 @@
               <a:rPr lang="en-US">
                 <a:latin typeface="Abadi" panose="020B0604020104020204" pitchFamily="34" charset="0"/>
               </a:rPr>
-              <a:t>Soccer players as defensive or defensive</a:t>
+              <a:t>Patterns with statistical info of players</a:t>
             </a:r>
           </a:p>
         </p:txBody>
@@ -21485,6 +21485,23 @@
 </file>
 
 <file path=customXml/item1.xml><?xml version="1.0" encoding="utf-8"?>
+<p:properties xmlns:p="http://schemas.microsoft.com/office/2006/metadata/properties" xmlns:xsi="http://www.w3.org/2001/XMLSchema-instance" xmlns:pc="http://schemas.microsoft.com/office/infopath/2007/PartnerControls">
+  <documentManagement>
+    <_activity xmlns="9246463a-33c0-4dd4-a9e1-7a7f3e81388a" xsi:nil="true"/>
+  </documentManagement>
+</p:properties>
+</file>
+
+<file path=customXml/item2.xml><?xml version="1.0" encoding="utf-8"?>
+<?mso-contentType ?>
+<FormTemplates xmlns="http://schemas.microsoft.com/sharepoint/v3/contenttype/forms">
+  <Display>DocumentLibraryForm</Display>
+  <Edit>DocumentLibraryForm</Edit>
+  <New>DocumentLibraryForm</New>
+</FormTemplates>
+</file>
+
+<file path=customXml/item3.xml><?xml version="1.0" encoding="utf-8"?>
 <ct:contentTypeSchema xmlns:ct="http://schemas.microsoft.com/office/2006/metadata/contentType" xmlns:ma="http://schemas.microsoft.com/office/2006/metadata/properties/metaAttributes" ct:_="" ma:_="" ma:contentTypeName="Documento" ma:contentTypeID="0x0101007674CEE75171E44B9B7664D123F36216" ma:contentTypeVersion="16" ma:contentTypeDescription="Crear nuevo documento." ma:contentTypeScope="" ma:versionID="30773749f53b6255efd4af58a3232f43">
   <xsd:schema xmlns:xsd="http://www.w3.org/2001/XMLSchema" xmlns:xs="http://www.w3.org/2001/XMLSchema" xmlns:p="http://schemas.microsoft.com/office/2006/metadata/properties" xmlns:ns3="6fbbd2df-1845-4d63-836c-598ec7b1235c" xmlns:ns4="9246463a-33c0-4dd4-a9e1-7a7f3e81388a" targetNamespace="http://schemas.microsoft.com/office/2006/metadata/properties" ma:root="true" ma:fieldsID="6e2f6e172d19a01a9c4f0e5d380c6406" ns3:_="" ns4:_="">
     <xsd:import namespace="6fbbd2df-1845-4d63-836c-598ec7b1235c"/>
@@ -21725,24 +21742,32 @@
 </ct:contentTypeSchema>
 </file>
 
-<file path=customXml/item2.xml><?xml version="1.0" encoding="utf-8"?>
-<?mso-contentType ?>
-<FormTemplates xmlns="http://schemas.microsoft.com/sharepoint/v3/contenttype/forms">
-  <Display>DocumentLibraryForm</Display>
-  <Edit>DocumentLibraryForm</Edit>
-  <New>DocumentLibraryForm</New>
-</FormTemplates>
+<file path=customXml/itemProps1.xml><?xml version="1.0" encoding="utf-8"?>
+<ds:datastoreItem xmlns:ds="http://schemas.openxmlformats.org/officeDocument/2006/customXml" ds:itemID="{0C22D4AE-26BD-4C40-8B66-64F76EB4C64A}">
+  <ds:schemaRefs>
+    <ds:schemaRef ds:uri="http://schemas.microsoft.com/office/2006/metadata/properties"/>
+    <ds:schemaRef ds:uri="http://schemas.openxmlformats.org/package/2006/metadata/core-properties"/>
+    <ds:schemaRef ds:uri="http://purl.org/dc/elements/1.1/"/>
+    <ds:schemaRef ds:uri="http://schemas.microsoft.com/office/infopath/2007/PartnerControls"/>
+    <ds:schemaRef ds:uri="http://purl.org/dc/dcmitype/"/>
+    <ds:schemaRef ds:uri="http://schemas.microsoft.com/office/2006/documentManagement/types"/>
+    <ds:schemaRef ds:uri="9246463a-33c0-4dd4-a9e1-7a7f3e81388a"/>
+    <ds:schemaRef ds:uri="http://www.w3.org/XML/1998/namespace"/>
+    <ds:schemaRef ds:uri="http://purl.org/dc/terms/"/>
+    <ds:schemaRef ds:uri="6fbbd2df-1845-4d63-836c-598ec7b1235c"/>
+  </ds:schemaRefs>
+</ds:datastoreItem>
 </file>
 
-<file path=customXml/item3.xml><?xml version="1.0" encoding="utf-8"?>
-<p:properties xmlns:p="http://schemas.microsoft.com/office/2006/metadata/properties" xmlns:xsi="http://www.w3.org/2001/XMLSchema-instance" xmlns:pc="http://schemas.microsoft.com/office/infopath/2007/PartnerControls">
-  <documentManagement>
-    <_activity xmlns="9246463a-33c0-4dd4-a9e1-7a7f3e81388a" xsi:nil="true"/>
-  </documentManagement>
-</p:properties>
+<file path=customXml/itemProps2.xml><?xml version="1.0" encoding="utf-8"?>
+<ds:datastoreItem xmlns:ds="http://schemas.openxmlformats.org/officeDocument/2006/customXml" ds:itemID="{FABBE007-0D26-47CF-9449-67C7CA458AFD}">
+  <ds:schemaRefs>
+    <ds:schemaRef ds:uri="http://schemas.microsoft.com/sharepoint/v3/contenttype/forms"/>
+  </ds:schemaRefs>
+</ds:datastoreItem>
 </file>
 
-<file path=customXml/itemProps1.xml><?xml version="1.0" encoding="utf-8"?>
+<file path=customXml/itemProps3.xml><?xml version="1.0" encoding="utf-8"?>
 <ds:datastoreItem xmlns:ds="http://schemas.openxmlformats.org/officeDocument/2006/customXml" ds:itemID="{208B441D-EB13-4815-8C33-A2BF5531A59E}">
   <ds:schemaRefs>
     <ds:schemaRef ds:uri="6fbbd2df-1845-4d63-836c-598ec7b1235c"/>
@@ -21759,29 +21784,4 @@
     <ds:schemaRef ds:uri="http://www.w3.org/2001/XMLSchema"/>
   </ds:schemaRefs>
 </ds:datastoreItem>
-</file>
-
-<file path=customXml/itemProps2.xml><?xml version="1.0" encoding="utf-8"?>
-<ds:datastoreItem xmlns:ds="http://schemas.openxmlformats.org/officeDocument/2006/customXml" ds:itemID="{FABBE007-0D26-47CF-9449-67C7CA458AFD}">
-  <ds:schemaRefs>
-    <ds:schemaRef ds:uri="http://schemas.microsoft.com/sharepoint/v3/contenttype/forms"/>
-  </ds:schemaRefs>
-</ds:datastoreItem>
-</file>
-
-<file path=customXml/itemProps3.xml><?xml version="1.0" encoding="utf-8"?>
-<ds:datastoreItem xmlns:ds="http://schemas.openxmlformats.org/officeDocument/2006/customXml" ds:itemID="{0C22D4AE-26BD-4C40-8B66-64F76EB4C64A}">
-  <ds:schemaRefs>
-    <ds:schemaRef ds:uri="http://schemas.microsoft.com/office/2006/metadata/properties"/>
-    <ds:schemaRef ds:uri="http://schemas.openxmlformats.org/package/2006/metadata/core-properties"/>
-    <ds:schemaRef ds:uri="http://purl.org/dc/elements/1.1/"/>
-    <ds:schemaRef ds:uri="http://schemas.microsoft.com/office/infopath/2007/PartnerControls"/>
-    <ds:schemaRef ds:uri="http://purl.org/dc/dcmitype/"/>
-    <ds:schemaRef ds:uri="http://schemas.microsoft.com/office/2006/documentManagement/types"/>
-    <ds:schemaRef ds:uri="9246463a-33c0-4dd4-a9e1-7a7f3e81388a"/>
-    <ds:schemaRef ds:uri="http://www.w3.org/XML/1998/namespace"/>
-    <ds:schemaRef ds:uri="http://purl.org/dc/terms/"/>
-    <ds:schemaRef ds:uri="6fbbd2df-1845-4d63-836c-598ec7b1235c"/>
-  </ds:schemaRefs>
-</ds:datastoreItem>
 </file>